--- a/Screenshots_for_Tutorial/Tutorial Figures.pptx
+++ b/Screenshots_for_Tutorial/Tutorial Figures.pptx
@@ -244,7 +244,7 @@
           <a:p>
             <a:fld id="{C2AAC61E-C693-4947-BF3D-47007484F53C}" type="datetimeFigureOut">
               <a:rPr lang="en-US" smtClean="0"/>
-              <a:t>11/18/2022</a:t>
+              <a:t>5/10/2023</a:t>
             </a:fld>
             <a:endParaRPr lang="en-US"/>
           </a:p>
@@ -414,7 +414,7 @@
           <a:p>
             <a:fld id="{C2AAC61E-C693-4947-BF3D-47007484F53C}" type="datetimeFigureOut">
               <a:rPr lang="en-US" smtClean="0"/>
-              <a:t>11/18/2022</a:t>
+              <a:t>5/10/2023</a:t>
             </a:fld>
             <a:endParaRPr lang="en-US"/>
           </a:p>
@@ -594,7 +594,7 @@
           <a:p>
             <a:fld id="{C2AAC61E-C693-4947-BF3D-47007484F53C}" type="datetimeFigureOut">
               <a:rPr lang="en-US" smtClean="0"/>
-              <a:t>11/18/2022</a:t>
+              <a:t>5/10/2023</a:t>
             </a:fld>
             <a:endParaRPr lang="en-US"/>
           </a:p>
@@ -764,7 +764,7 @@
           <a:p>
             <a:fld id="{C2AAC61E-C693-4947-BF3D-47007484F53C}" type="datetimeFigureOut">
               <a:rPr lang="en-US" smtClean="0"/>
-              <a:t>11/18/2022</a:t>
+              <a:t>5/10/2023</a:t>
             </a:fld>
             <a:endParaRPr lang="en-US"/>
           </a:p>
@@ -1008,7 +1008,7 @@
           <a:p>
             <a:fld id="{C2AAC61E-C693-4947-BF3D-47007484F53C}" type="datetimeFigureOut">
               <a:rPr lang="en-US" smtClean="0"/>
-              <a:t>11/18/2022</a:t>
+              <a:t>5/10/2023</a:t>
             </a:fld>
             <a:endParaRPr lang="en-US"/>
           </a:p>
@@ -1240,7 +1240,7 @@
           <a:p>
             <a:fld id="{C2AAC61E-C693-4947-BF3D-47007484F53C}" type="datetimeFigureOut">
               <a:rPr lang="en-US" smtClean="0"/>
-              <a:t>11/18/2022</a:t>
+              <a:t>5/10/2023</a:t>
             </a:fld>
             <a:endParaRPr lang="en-US"/>
           </a:p>
@@ -1607,7 +1607,7 @@
           <a:p>
             <a:fld id="{C2AAC61E-C693-4947-BF3D-47007484F53C}" type="datetimeFigureOut">
               <a:rPr lang="en-US" smtClean="0"/>
-              <a:t>11/18/2022</a:t>
+              <a:t>5/10/2023</a:t>
             </a:fld>
             <a:endParaRPr lang="en-US"/>
           </a:p>
@@ -1725,7 +1725,7 @@
           <a:p>
             <a:fld id="{C2AAC61E-C693-4947-BF3D-47007484F53C}" type="datetimeFigureOut">
               <a:rPr lang="en-US" smtClean="0"/>
-              <a:t>11/18/2022</a:t>
+              <a:t>5/10/2023</a:t>
             </a:fld>
             <a:endParaRPr lang="en-US"/>
           </a:p>
@@ -1820,7 +1820,7 @@
           <a:p>
             <a:fld id="{C2AAC61E-C693-4947-BF3D-47007484F53C}" type="datetimeFigureOut">
               <a:rPr lang="en-US" smtClean="0"/>
-              <a:t>11/18/2022</a:t>
+              <a:t>5/10/2023</a:t>
             </a:fld>
             <a:endParaRPr lang="en-US"/>
           </a:p>
@@ -2097,7 +2097,7 @@
           <a:p>
             <a:fld id="{C2AAC61E-C693-4947-BF3D-47007484F53C}" type="datetimeFigureOut">
               <a:rPr lang="en-US" smtClean="0"/>
-              <a:t>11/18/2022</a:t>
+              <a:t>5/10/2023</a:t>
             </a:fld>
             <a:endParaRPr lang="en-US"/>
           </a:p>
@@ -2354,7 +2354,7 @@
           <a:p>
             <a:fld id="{C2AAC61E-C693-4947-BF3D-47007484F53C}" type="datetimeFigureOut">
               <a:rPr lang="en-US" smtClean="0"/>
-              <a:t>11/18/2022</a:t>
+              <a:t>5/10/2023</a:t>
             </a:fld>
             <a:endParaRPr lang="en-US"/>
           </a:p>
@@ -2573,7 +2573,7 @@
             <a:fld id="{C2AAC61E-C693-4947-BF3D-47007484F53C}" type="datetimeFigureOut">
               <a:rPr lang="en-US" smtClean="0"/>
               <a:pPr/>
-              <a:t>11/18/2022</a:t>
+              <a:t>5/10/2023</a:t>
             </a:fld>
             <a:endParaRPr lang="en-US"/>
           </a:p>
@@ -3927,66 +3927,727 @@
           <a:chExt cx="0" cy="0"/>
         </a:xfrm>
       </p:grpSpPr>
-      <p:sp>
-        <p:nvSpPr>
-          <p:cNvPr id="2" name="Title 1">
+      <p:pic>
+        <p:nvPicPr>
+          <p:cNvPr id="5" name="Picture 4" descr="A picture containing text, screenshot, diagram, line&#10;&#10;Description automatically generated">
             <a:extLst>
               <a:ext uri="{FF2B5EF4-FFF2-40B4-BE49-F238E27FC236}">
-                <a16:creationId xmlns:a16="http://schemas.microsoft.com/office/drawing/2014/main" id="{AE78CD9C-0A33-8631-B3DC-E7127E21DF67}"/>
+                <a16:creationId xmlns:a16="http://schemas.microsoft.com/office/drawing/2014/main" id="{6B667652-2532-8A5E-6282-59BB268F1484}"/>
               </a:ext>
             </a:extLst>
           </p:cNvPr>
-          <p:cNvSpPr>
-            <a:spLocks noGrp="1"/>
-          </p:cNvSpPr>
-          <p:nvPr>
-            <p:ph type="title"/>
-          </p:nvPr>
-        </p:nvSpPr>
+          <p:cNvPicPr>
+            <a:picLocks noChangeAspect="1"/>
+          </p:cNvPicPr>
+          <p:nvPr/>
+        </p:nvPicPr>
+        <p:blipFill>
+          <a:blip r:embed="rId2">
+            <a:extLst>
+              <a:ext uri="{28A0092B-C50C-407E-A947-70E740481C1C}">
+                <a14:useLocalDpi xmlns:a14="http://schemas.microsoft.com/office/drawing/2010/main" val="0"/>
+              </a:ext>
+            </a:extLst>
+          </a:blip>
+          <a:stretch>
+            <a:fillRect/>
+          </a:stretch>
+        </p:blipFill>
         <p:spPr>
           <a:xfrm>
-            <a:off x="471488" y="205740"/>
-            <a:ext cx="5915025" cy="702309"/>
+            <a:off x="456278" y="1560243"/>
+            <a:ext cx="5481929" cy="5090363"/>
           </a:xfrm>
+          <a:prstGeom prst="rect">
+            <a:avLst/>
+          </a:prstGeom>
         </p:spPr>
-        <p:txBody>
-          <a:bodyPr/>
-          <a:lstStyle/>
-          <a:p>
-            <a:endParaRPr lang="en-US"/>
-          </a:p>
-        </p:txBody>
-      </p:sp>
-      <p:sp>
-        <p:nvSpPr>
-          <p:cNvPr id="3" name="Content Placeholder 2">
+      </p:pic>
+      <p:sp>
+        <p:nvSpPr>
+          <p:cNvPr id="6" name="Rectangle 5">
             <a:extLst>
               <a:ext uri="{FF2B5EF4-FFF2-40B4-BE49-F238E27FC236}">
-                <a16:creationId xmlns:a16="http://schemas.microsoft.com/office/drawing/2014/main" id="{84529CE9-9C1F-5931-217D-5D1B978A61F9}"/>
+                <a16:creationId xmlns:a16="http://schemas.microsoft.com/office/drawing/2014/main" id="{98AB5937-B7A4-BEE7-5DC5-486BE514567C}"/>
               </a:ext>
             </a:extLst>
           </p:cNvPr>
-          <p:cNvSpPr>
-            <a:spLocks noGrp="1"/>
-          </p:cNvSpPr>
-          <p:nvPr>
-            <p:ph idx="1"/>
-          </p:nvPr>
+          <p:cNvSpPr/>
+          <p:nvPr/>
         </p:nvSpPr>
         <p:spPr>
           <a:xfrm>
-            <a:off x="471488" y="1120140"/>
-            <a:ext cx="5915025" cy="7578090"/>
+            <a:off x="4468332" y="445022"/>
+            <a:ext cx="529053" cy="483326"/>
           </a:xfrm>
+          <a:prstGeom prst="rect">
+            <a:avLst/>
+          </a:prstGeom>
+          <a:solidFill>
+            <a:srgbClr val="469990"/>
+          </a:solidFill>
+          <a:ln>
+            <a:noFill/>
+          </a:ln>
         </p:spPr>
-        <p:txBody>
-          <a:bodyPr/>
-          <a:lstStyle/>
-          <a:p>
+        <p:style>
+          <a:lnRef idx="2">
+            <a:schemeClr val="accent1">
+              <a:shade val="50000"/>
+            </a:schemeClr>
+          </a:lnRef>
+          <a:fillRef idx="1">
+            <a:schemeClr val="accent1"/>
+          </a:fillRef>
+          <a:effectRef idx="0">
+            <a:schemeClr val="accent1"/>
+          </a:effectRef>
+          <a:fontRef idx="minor">
+            <a:schemeClr val="lt1"/>
+          </a:fontRef>
+        </p:style>
+        <p:txBody>
+          <a:bodyPr rtlCol="0" anchor="ctr"/>
+          <a:lstStyle/>
+          <a:p>
+            <a:pPr algn="ctr"/>
             <a:endParaRPr lang="en-US"/>
           </a:p>
         </p:txBody>
       </p:sp>
+      <p:sp>
+        <p:nvSpPr>
+          <p:cNvPr id="2" name="Rectangle 1">
+            <a:extLst>
+              <a:ext uri="{FF2B5EF4-FFF2-40B4-BE49-F238E27FC236}">
+                <a16:creationId xmlns:a16="http://schemas.microsoft.com/office/drawing/2014/main" id="{8C750F7B-AE8C-D725-7B72-8862483187E8}"/>
+              </a:ext>
+            </a:extLst>
+          </p:cNvPr>
+          <p:cNvSpPr/>
+          <p:nvPr/>
+        </p:nvSpPr>
+        <p:spPr>
+          <a:xfrm>
+            <a:off x="1328122" y="445022"/>
+            <a:ext cx="529053" cy="483326"/>
+          </a:xfrm>
+          <a:prstGeom prst="rect">
+            <a:avLst/>
+          </a:prstGeom>
+          <a:solidFill>
+            <a:srgbClr val="FFE119"/>
+          </a:solidFill>
+          <a:ln>
+            <a:noFill/>
+          </a:ln>
+        </p:spPr>
+        <p:style>
+          <a:lnRef idx="2">
+            <a:schemeClr val="accent1">
+              <a:shade val="50000"/>
+            </a:schemeClr>
+          </a:lnRef>
+          <a:fillRef idx="1">
+            <a:schemeClr val="accent1"/>
+          </a:fillRef>
+          <a:effectRef idx="0">
+            <a:schemeClr val="accent1"/>
+          </a:effectRef>
+          <a:fontRef idx="minor">
+            <a:schemeClr val="lt1"/>
+          </a:fontRef>
+        </p:style>
+        <p:txBody>
+          <a:bodyPr rtlCol="0" anchor="ctr"/>
+          <a:lstStyle/>
+          <a:p>
+            <a:pPr algn="ctr"/>
+            <a:endParaRPr lang="en-US"/>
+          </a:p>
+        </p:txBody>
+      </p:sp>
+      <p:sp>
+        <p:nvSpPr>
+          <p:cNvPr id="3" name="Rectangle 2">
+            <a:extLst>
+              <a:ext uri="{FF2B5EF4-FFF2-40B4-BE49-F238E27FC236}">
+                <a16:creationId xmlns:a16="http://schemas.microsoft.com/office/drawing/2014/main" id="{0F01556C-37CC-622F-7D37-9FADC78209F2}"/>
+              </a:ext>
+            </a:extLst>
+          </p:cNvPr>
+          <p:cNvSpPr/>
+          <p:nvPr/>
+        </p:nvSpPr>
+        <p:spPr>
+          <a:xfrm>
+            <a:off x="2384384" y="445022"/>
+            <a:ext cx="529053" cy="483326"/>
+          </a:xfrm>
+          <a:prstGeom prst="rect">
+            <a:avLst/>
+          </a:prstGeom>
+          <a:solidFill>
+            <a:srgbClr val="4363D8"/>
+          </a:solidFill>
+          <a:ln>
+            <a:noFill/>
+          </a:ln>
+        </p:spPr>
+        <p:style>
+          <a:lnRef idx="2">
+            <a:schemeClr val="accent1">
+              <a:shade val="50000"/>
+            </a:schemeClr>
+          </a:lnRef>
+          <a:fillRef idx="1">
+            <a:schemeClr val="accent1"/>
+          </a:fillRef>
+          <a:effectRef idx="0">
+            <a:schemeClr val="accent1"/>
+          </a:effectRef>
+          <a:fontRef idx="minor">
+            <a:schemeClr val="lt1"/>
+          </a:fontRef>
+        </p:style>
+        <p:txBody>
+          <a:bodyPr rtlCol="0" anchor="ctr"/>
+          <a:lstStyle/>
+          <a:p>
+            <a:pPr algn="ctr"/>
+            <a:endParaRPr lang="en-US"/>
+          </a:p>
+        </p:txBody>
+      </p:sp>
+      <p:sp>
+        <p:nvSpPr>
+          <p:cNvPr id="4" name="Rectangle 3">
+            <a:extLst>
+              <a:ext uri="{FF2B5EF4-FFF2-40B4-BE49-F238E27FC236}">
+                <a16:creationId xmlns:a16="http://schemas.microsoft.com/office/drawing/2014/main" id="{AF4FD2E0-DE07-1F16-AED3-83B5C2AAFC94}"/>
+              </a:ext>
+            </a:extLst>
+          </p:cNvPr>
+          <p:cNvSpPr/>
+          <p:nvPr/>
+        </p:nvSpPr>
+        <p:spPr>
+          <a:xfrm>
+            <a:off x="3426358" y="445022"/>
+            <a:ext cx="529053" cy="483326"/>
+          </a:xfrm>
+          <a:prstGeom prst="rect">
+            <a:avLst/>
+          </a:prstGeom>
+          <a:solidFill>
+            <a:srgbClr val="FABED4"/>
+          </a:solidFill>
+          <a:ln>
+            <a:noFill/>
+          </a:ln>
+        </p:spPr>
+        <p:style>
+          <a:lnRef idx="2">
+            <a:schemeClr val="accent1">
+              <a:shade val="50000"/>
+            </a:schemeClr>
+          </a:lnRef>
+          <a:fillRef idx="1">
+            <a:schemeClr val="accent1"/>
+          </a:fillRef>
+          <a:effectRef idx="0">
+            <a:schemeClr val="accent1"/>
+          </a:effectRef>
+          <a:fontRef idx="minor">
+            <a:schemeClr val="lt1"/>
+          </a:fontRef>
+        </p:style>
+        <p:txBody>
+          <a:bodyPr rtlCol="0" anchor="ctr"/>
+          <a:lstStyle/>
+          <a:p>
+            <a:pPr algn="ctr"/>
+            <a:endParaRPr lang="en-US"/>
+          </a:p>
+        </p:txBody>
+      </p:sp>
+      <p:sp>
+        <p:nvSpPr>
+          <p:cNvPr id="7" name="Rectangle 6">
+            <a:extLst>
+              <a:ext uri="{FF2B5EF4-FFF2-40B4-BE49-F238E27FC236}">
+                <a16:creationId xmlns:a16="http://schemas.microsoft.com/office/drawing/2014/main" id="{009AA5C6-BA08-1236-6C0D-7411EC53A3BA}"/>
+              </a:ext>
+            </a:extLst>
+          </p:cNvPr>
+          <p:cNvSpPr/>
+          <p:nvPr/>
+        </p:nvSpPr>
+        <p:spPr>
+          <a:xfrm>
+            <a:off x="342483" y="445022"/>
+            <a:ext cx="529053" cy="483326"/>
+          </a:xfrm>
+          <a:prstGeom prst="rect">
+            <a:avLst/>
+          </a:prstGeom>
+          <a:solidFill>
+            <a:srgbClr val="800000"/>
+          </a:solidFill>
+          <a:ln>
+            <a:noFill/>
+          </a:ln>
+        </p:spPr>
+        <p:style>
+          <a:lnRef idx="2">
+            <a:schemeClr val="accent1">
+              <a:shade val="50000"/>
+            </a:schemeClr>
+          </a:lnRef>
+          <a:fillRef idx="1">
+            <a:schemeClr val="accent1"/>
+          </a:fillRef>
+          <a:effectRef idx="0">
+            <a:schemeClr val="accent1"/>
+          </a:effectRef>
+          <a:fontRef idx="minor">
+            <a:schemeClr val="lt1"/>
+          </a:fontRef>
+        </p:style>
+        <p:txBody>
+          <a:bodyPr rtlCol="0" anchor="ctr"/>
+          <a:lstStyle/>
+          <a:p>
+            <a:pPr algn="ctr"/>
+            <a:endParaRPr lang="en-US"/>
+          </a:p>
+        </p:txBody>
+      </p:sp>
+      <p:sp>
+        <p:nvSpPr>
+          <p:cNvPr id="8" name="TextBox 7">
+            <a:extLst>
+              <a:ext uri="{FF2B5EF4-FFF2-40B4-BE49-F238E27FC236}">
+                <a16:creationId xmlns:a16="http://schemas.microsoft.com/office/drawing/2014/main" id="{3CD53C99-901B-D45C-70C2-4E17B2937CA2}"/>
+              </a:ext>
+            </a:extLst>
+          </p:cNvPr>
+          <p:cNvSpPr txBox="1"/>
+          <p:nvPr/>
+        </p:nvSpPr>
+        <p:spPr>
+          <a:xfrm>
+            <a:off x="233871" y="999741"/>
+            <a:ext cx="746276" cy="253916"/>
+          </a:xfrm>
+          <a:prstGeom prst="rect">
+            <a:avLst/>
+          </a:prstGeom>
+          <a:noFill/>
+        </p:spPr>
+        <p:txBody>
+          <a:bodyPr wrap="square" rtlCol="0">
+            <a:spAutoFit/>
+          </a:bodyPr>
+          <a:lstStyle/>
+          <a:p>
+            <a:r>
+              <a:rPr lang="en-AU" sz="1050"/>
+              <a:t>#800000</a:t>
+            </a:r>
+            <a:endParaRPr lang="en-US" sz="1050"/>
+          </a:p>
+        </p:txBody>
+      </p:sp>
+      <p:sp>
+        <p:nvSpPr>
+          <p:cNvPr id="9" name="TextBox 8">
+            <a:extLst>
+              <a:ext uri="{FF2B5EF4-FFF2-40B4-BE49-F238E27FC236}">
+                <a16:creationId xmlns:a16="http://schemas.microsoft.com/office/drawing/2014/main" id="{8CA6F987-2310-378F-91C3-BB8B1DC50859}"/>
+              </a:ext>
+            </a:extLst>
+          </p:cNvPr>
+          <p:cNvSpPr txBox="1"/>
+          <p:nvPr/>
+        </p:nvSpPr>
+        <p:spPr>
+          <a:xfrm>
+            <a:off x="1219510" y="996408"/>
+            <a:ext cx="746276" cy="253916"/>
+          </a:xfrm>
+          <a:prstGeom prst="rect">
+            <a:avLst/>
+          </a:prstGeom>
+          <a:noFill/>
+        </p:spPr>
+        <p:txBody>
+          <a:bodyPr wrap="square" rtlCol="0">
+            <a:spAutoFit/>
+          </a:bodyPr>
+          <a:lstStyle/>
+          <a:p>
+            <a:r>
+              <a:rPr lang="en-AU" sz="1050"/>
+              <a:t>#FFE119</a:t>
+            </a:r>
+            <a:endParaRPr lang="en-US" sz="1050"/>
+          </a:p>
+        </p:txBody>
+      </p:sp>
+      <p:sp>
+        <p:nvSpPr>
+          <p:cNvPr id="11" name="TextBox 10">
+            <a:extLst>
+              <a:ext uri="{FF2B5EF4-FFF2-40B4-BE49-F238E27FC236}">
+                <a16:creationId xmlns:a16="http://schemas.microsoft.com/office/drawing/2014/main" id="{53E581F6-E5A0-2A74-4192-DAED3749823C}"/>
+              </a:ext>
+            </a:extLst>
+          </p:cNvPr>
+          <p:cNvSpPr txBox="1"/>
+          <p:nvPr/>
+        </p:nvSpPr>
+        <p:spPr>
+          <a:xfrm>
+            <a:off x="2275772" y="969795"/>
+            <a:ext cx="746276" cy="253916"/>
+          </a:xfrm>
+          <a:prstGeom prst="rect">
+            <a:avLst/>
+          </a:prstGeom>
+          <a:noFill/>
+        </p:spPr>
+        <p:txBody>
+          <a:bodyPr wrap="square">
+            <a:spAutoFit/>
+          </a:bodyPr>
+          <a:lstStyle/>
+          <a:p>
+            <a:r>
+              <a:rPr lang="en-US" sz="1050"/>
+              <a:t>#4363D8</a:t>
+            </a:r>
+          </a:p>
+        </p:txBody>
+      </p:sp>
+      <p:sp>
+        <p:nvSpPr>
+          <p:cNvPr id="12" name="TextBox 11">
+            <a:extLst>
+              <a:ext uri="{FF2B5EF4-FFF2-40B4-BE49-F238E27FC236}">
+                <a16:creationId xmlns:a16="http://schemas.microsoft.com/office/drawing/2014/main" id="{61726649-AA2B-E946-6BB9-2CA56CCA75F6}"/>
+              </a:ext>
+            </a:extLst>
+          </p:cNvPr>
+          <p:cNvSpPr txBox="1"/>
+          <p:nvPr/>
+        </p:nvSpPr>
+        <p:spPr>
+          <a:xfrm>
+            <a:off x="3332033" y="969794"/>
+            <a:ext cx="885125" cy="253916"/>
+          </a:xfrm>
+          <a:prstGeom prst="rect">
+            <a:avLst/>
+          </a:prstGeom>
+          <a:noFill/>
+        </p:spPr>
+        <p:txBody>
+          <a:bodyPr wrap="square">
+            <a:spAutoFit/>
+          </a:bodyPr>
+          <a:lstStyle/>
+          <a:p>
+            <a:r>
+              <a:rPr lang="en-US" sz="1050"/>
+              <a:t>#FABED4</a:t>
+            </a:r>
+          </a:p>
+        </p:txBody>
+      </p:sp>
+      <p:sp>
+        <p:nvSpPr>
+          <p:cNvPr id="13" name="TextBox 12">
+            <a:extLst>
+              <a:ext uri="{FF2B5EF4-FFF2-40B4-BE49-F238E27FC236}">
+                <a16:creationId xmlns:a16="http://schemas.microsoft.com/office/drawing/2014/main" id="{64A0B9C1-CE6C-F151-716C-B82D9949DCCB}"/>
+              </a:ext>
+            </a:extLst>
+          </p:cNvPr>
+          <p:cNvSpPr txBox="1"/>
+          <p:nvPr/>
+        </p:nvSpPr>
+        <p:spPr>
+          <a:xfrm>
+            <a:off x="4388296" y="969793"/>
+            <a:ext cx="771201" cy="253916"/>
+          </a:xfrm>
+          <a:prstGeom prst="rect">
+            <a:avLst/>
+          </a:prstGeom>
+          <a:noFill/>
+        </p:spPr>
+        <p:txBody>
+          <a:bodyPr wrap="square">
+            <a:spAutoFit/>
+          </a:bodyPr>
+          <a:lstStyle/>
+          <a:p>
+            <a:r>
+              <a:rPr lang="en-US" sz="1050"/>
+              <a:t>#469990</a:t>
+            </a:r>
+          </a:p>
+        </p:txBody>
+      </p:sp>
+      <p:sp>
+        <p:nvSpPr>
+          <p:cNvPr id="14" name="Rectangle 13">
+            <a:extLst>
+              <a:ext uri="{FF2B5EF4-FFF2-40B4-BE49-F238E27FC236}">
+                <a16:creationId xmlns:a16="http://schemas.microsoft.com/office/drawing/2014/main" id="{8DB9FFA7-AB7A-C2B4-5F89-5B0190F565B1}"/>
+              </a:ext>
+            </a:extLst>
+          </p:cNvPr>
+          <p:cNvSpPr/>
+          <p:nvPr/>
+        </p:nvSpPr>
+        <p:spPr>
+          <a:xfrm>
+            <a:off x="723331" y="6987137"/>
+            <a:ext cx="928048" cy="592221"/>
+          </a:xfrm>
+          <a:prstGeom prst="rect">
+            <a:avLst/>
+          </a:prstGeom>
+          <a:solidFill>
+            <a:srgbClr val="FABED4"/>
+          </a:solidFill>
+          <a:ln>
+            <a:noFill/>
+          </a:ln>
+        </p:spPr>
+        <p:style>
+          <a:lnRef idx="2">
+            <a:schemeClr val="accent1">
+              <a:shade val="50000"/>
+            </a:schemeClr>
+          </a:lnRef>
+          <a:fillRef idx="1">
+            <a:schemeClr val="accent1"/>
+          </a:fillRef>
+          <a:effectRef idx="0">
+            <a:schemeClr val="accent1"/>
+          </a:effectRef>
+          <a:fontRef idx="minor">
+            <a:schemeClr val="lt1"/>
+          </a:fontRef>
+        </p:style>
+        <p:txBody>
+          <a:bodyPr rtlCol="0" anchor="ctr"/>
+          <a:lstStyle/>
+          <a:p>
+            <a:pPr algn="ctr"/>
+            <a:r>
+              <a:rPr lang="en-AU">
+                <a:solidFill>
+                  <a:schemeClr val="tx1">
+                    <a:lumMod val="85000"/>
+                    <a:lumOff val="15000"/>
+                  </a:schemeClr>
+                </a:solidFill>
+              </a:rPr>
+              <a:t>Raw data</a:t>
+            </a:r>
+            <a:endParaRPr lang="en-US">
+              <a:solidFill>
+                <a:schemeClr val="tx1">
+                  <a:lumMod val="85000"/>
+                  <a:lumOff val="15000"/>
+                </a:schemeClr>
+              </a:solidFill>
+            </a:endParaRPr>
+          </a:p>
+        </p:txBody>
+      </p:sp>
+      <p:sp>
+        <p:nvSpPr>
+          <p:cNvPr id="15" name="Rectangle 14">
+            <a:extLst>
+              <a:ext uri="{FF2B5EF4-FFF2-40B4-BE49-F238E27FC236}">
+                <a16:creationId xmlns:a16="http://schemas.microsoft.com/office/drawing/2014/main" id="{52AE3F05-2308-AEEC-3AAA-5C1F2EFCB2A3}"/>
+              </a:ext>
+            </a:extLst>
+          </p:cNvPr>
+          <p:cNvSpPr/>
+          <p:nvPr/>
+        </p:nvSpPr>
+        <p:spPr>
+          <a:xfrm>
+            <a:off x="3250146" y="6987137"/>
+            <a:ext cx="1041974" cy="592221"/>
+          </a:xfrm>
+          <a:prstGeom prst="rect">
+            <a:avLst/>
+          </a:prstGeom>
+          <a:solidFill>
+            <a:srgbClr val="7EC4BC"/>
+          </a:solidFill>
+          <a:ln>
+            <a:solidFill>
+              <a:srgbClr val="F2F2F2"/>
+            </a:solidFill>
+          </a:ln>
+        </p:spPr>
+        <p:style>
+          <a:lnRef idx="2">
+            <a:schemeClr val="accent1">
+              <a:shade val="50000"/>
+            </a:schemeClr>
+          </a:lnRef>
+          <a:fillRef idx="1">
+            <a:schemeClr val="accent1"/>
+          </a:fillRef>
+          <a:effectRef idx="0">
+            <a:schemeClr val="accent1"/>
+          </a:effectRef>
+          <a:fontRef idx="minor">
+            <a:schemeClr val="lt1"/>
+          </a:fontRef>
+        </p:style>
+        <p:txBody>
+          <a:bodyPr rtlCol="0" anchor="ctr"/>
+          <a:lstStyle/>
+          <a:p>
+            <a:pPr algn="ctr"/>
+            <a:r>
+              <a:rPr lang="en-AU">
+                <a:solidFill>
+                  <a:schemeClr val="tx1">
+                    <a:lumMod val="85000"/>
+                    <a:lumOff val="15000"/>
+                  </a:schemeClr>
+                </a:solidFill>
+              </a:rPr>
+              <a:t>QC-ed data</a:t>
+            </a:r>
+            <a:endParaRPr lang="en-US">
+              <a:solidFill>
+                <a:schemeClr val="tx1">
+                  <a:lumMod val="85000"/>
+                  <a:lumOff val="15000"/>
+                </a:schemeClr>
+              </a:solidFill>
+            </a:endParaRPr>
+          </a:p>
+        </p:txBody>
+      </p:sp>
+      <p:sp>
+        <p:nvSpPr>
+          <p:cNvPr id="16" name="Rectangle 15">
+            <a:extLst>
+              <a:ext uri="{FF2B5EF4-FFF2-40B4-BE49-F238E27FC236}">
+                <a16:creationId xmlns:a16="http://schemas.microsoft.com/office/drawing/2014/main" id="{381226B5-A774-B053-6F58-5D27E8F78FB3}"/>
+              </a:ext>
+            </a:extLst>
+          </p:cNvPr>
+          <p:cNvSpPr/>
+          <p:nvPr/>
+        </p:nvSpPr>
+        <p:spPr>
+          <a:xfrm>
+            <a:off x="1965786" y="7005648"/>
+            <a:ext cx="1041974" cy="592221"/>
+          </a:xfrm>
+          <a:prstGeom prst="rect">
+            <a:avLst/>
+          </a:prstGeom>
+          <a:solidFill>
+            <a:srgbClr val="AFBDEF"/>
+          </a:solidFill>
+          <a:ln>
+            <a:noFill/>
+          </a:ln>
+        </p:spPr>
+        <p:style>
+          <a:lnRef idx="2">
+            <a:schemeClr val="accent1">
+              <a:shade val="50000"/>
+            </a:schemeClr>
+          </a:lnRef>
+          <a:fillRef idx="1">
+            <a:schemeClr val="accent1"/>
+          </a:fillRef>
+          <a:effectRef idx="0">
+            <a:schemeClr val="accent1"/>
+          </a:effectRef>
+          <a:fontRef idx="minor">
+            <a:schemeClr val="lt1"/>
+          </a:fontRef>
+        </p:style>
+        <p:txBody>
+          <a:bodyPr rtlCol="0" anchor="ctr"/>
+          <a:lstStyle/>
+          <a:p>
+            <a:pPr algn="ctr"/>
+            <a:r>
+              <a:rPr lang="en-AU">
+                <a:solidFill>
+                  <a:schemeClr val="tx1">
+                    <a:lumMod val="85000"/>
+                    <a:lumOff val="15000"/>
+                  </a:schemeClr>
+                </a:solidFill>
+              </a:rPr>
+              <a:t>prcess</a:t>
+            </a:r>
+            <a:endParaRPr lang="en-US">
+              <a:solidFill>
+                <a:schemeClr val="tx1">
+                  <a:lumMod val="85000"/>
+                  <a:lumOff val="15000"/>
+                </a:schemeClr>
+              </a:solidFill>
+            </a:endParaRPr>
+          </a:p>
+        </p:txBody>
+      </p:sp>
+      <p:pic>
+        <p:nvPicPr>
+          <p:cNvPr id="21" name="Picture 20" descr="A picture containing text, screenshot, font, diagram&#10;&#10;Description automatically generated">
+            <a:extLst>
+              <a:ext uri="{FF2B5EF4-FFF2-40B4-BE49-F238E27FC236}">
+                <a16:creationId xmlns:a16="http://schemas.microsoft.com/office/drawing/2014/main" id="{97DA66ED-9AE6-F8F4-5564-D8EF2FDD7530}"/>
+              </a:ext>
+            </a:extLst>
+          </p:cNvPr>
+          <p:cNvPicPr>
+            <a:picLocks noChangeAspect="1"/>
+          </p:cNvPicPr>
+          <p:nvPr/>
+        </p:nvPicPr>
+        <p:blipFill>
+          <a:blip r:embed="rId3">
+            <a:extLst>
+              <a:ext uri="{28A0092B-C50C-407E-A947-70E740481C1C}">
+                <a14:useLocalDpi xmlns:a14="http://schemas.microsoft.com/office/drawing/2010/main" val="0"/>
+              </a:ext>
+            </a:extLst>
+          </a:blip>
+          <a:stretch>
+            <a:fillRect/>
+          </a:stretch>
+        </p:blipFill>
+        <p:spPr>
+          <a:xfrm>
+            <a:off x="0" y="2546181"/>
+            <a:ext cx="6858000" cy="3860567"/>
+          </a:xfrm>
+          <a:prstGeom prst="rect">
+            <a:avLst/>
+          </a:prstGeom>
+        </p:spPr>
+      </p:pic>
     </p:spTree>
     <p:extLst>
       <p:ext uri="{BB962C8B-B14F-4D97-AF65-F5344CB8AC3E}">
